--- a/design/first week plan.pptx
+++ b/design/first week plan.pptx
@@ -7,10 +7,11 @@
   <p:sldIdLst>
     <p:sldId id="256" r:id="rId2"/>
     <p:sldId id="257" r:id="rId3"/>
-    <p:sldId id="261" r:id="rId4"/>
-    <p:sldId id="258" r:id="rId5"/>
-    <p:sldId id="259" r:id="rId6"/>
-    <p:sldId id="260" r:id="rId7"/>
+    <p:sldId id="258" r:id="rId4"/>
+    <p:sldId id="259" r:id="rId5"/>
+    <p:sldId id="260" r:id="rId6"/>
+    <p:sldId id="261" r:id="rId7"/>
+    <p:sldId id="262" r:id="rId8"/>
   </p:sldIdLst>
   <p:sldSz cx="12192000" cy="6858000"/>
   <p:notesSz cx="6858000" cy="9144000"/>
@@ -246,7 +247,7 @@
           <a:p>
             <a:fld id="{2AD5925D-BE20-4C0D-954F-56512CC68C6B}" type="datetimeFigureOut">
               <a:rPr lang="zh-CN" altLang="en-US" smtClean="0"/>
-              <a:t>2017-03-14</a:t>
+              <a:t>2017-03-16</a:t>
             </a:fld>
             <a:endParaRPr lang="zh-CN" altLang="en-US"/>
           </a:p>
@@ -414,7 +415,7 @@
           <a:p>
             <a:fld id="{2AD5925D-BE20-4C0D-954F-56512CC68C6B}" type="datetimeFigureOut">
               <a:rPr lang="zh-CN" altLang="en-US" smtClean="0"/>
-              <a:t>2017-03-14</a:t>
+              <a:t>2017-03-16</a:t>
             </a:fld>
             <a:endParaRPr lang="zh-CN" altLang="en-US"/>
           </a:p>
@@ -592,7 +593,7 @@
           <a:p>
             <a:fld id="{2AD5925D-BE20-4C0D-954F-56512CC68C6B}" type="datetimeFigureOut">
               <a:rPr lang="zh-CN" altLang="en-US" smtClean="0"/>
-              <a:t>2017-03-14</a:t>
+              <a:t>2017-03-16</a:t>
             </a:fld>
             <a:endParaRPr lang="zh-CN" altLang="en-US"/>
           </a:p>
@@ -760,7 +761,7 @@
           <a:p>
             <a:fld id="{2AD5925D-BE20-4C0D-954F-56512CC68C6B}" type="datetimeFigureOut">
               <a:rPr lang="zh-CN" altLang="en-US" smtClean="0"/>
-              <a:t>2017-03-14</a:t>
+              <a:t>2017-03-16</a:t>
             </a:fld>
             <a:endParaRPr lang="zh-CN" altLang="en-US"/>
           </a:p>
@@ -1005,7 +1006,7 @@
           <a:p>
             <a:fld id="{2AD5925D-BE20-4C0D-954F-56512CC68C6B}" type="datetimeFigureOut">
               <a:rPr lang="zh-CN" altLang="en-US" smtClean="0"/>
-              <a:t>2017-03-14</a:t>
+              <a:t>2017-03-16</a:t>
             </a:fld>
             <a:endParaRPr lang="zh-CN" altLang="en-US"/>
           </a:p>
@@ -1234,7 +1235,7 @@
           <a:p>
             <a:fld id="{2AD5925D-BE20-4C0D-954F-56512CC68C6B}" type="datetimeFigureOut">
               <a:rPr lang="zh-CN" altLang="en-US" smtClean="0"/>
-              <a:t>2017-03-14</a:t>
+              <a:t>2017-03-16</a:t>
             </a:fld>
             <a:endParaRPr lang="zh-CN" altLang="en-US"/>
           </a:p>
@@ -1598,7 +1599,7 @@
           <a:p>
             <a:fld id="{2AD5925D-BE20-4C0D-954F-56512CC68C6B}" type="datetimeFigureOut">
               <a:rPr lang="zh-CN" altLang="en-US" smtClean="0"/>
-              <a:t>2017-03-14</a:t>
+              <a:t>2017-03-16</a:t>
             </a:fld>
             <a:endParaRPr lang="zh-CN" altLang="en-US"/>
           </a:p>
@@ -1715,7 +1716,7 @@
           <a:p>
             <a:fld id="{2AD5925D-BE20-4C0D-954F-56512CC68C6B}" type="datetimeFigureOut">
               <a:rPr lang="zh-CN" altLang="en-US" smtClean="0"/>
-              <a:t>2017-03-14</a:t>
+              <a:t>2017-03-16</a:t>
             </a:fld>
             <a:endParaRPr lang="zh-CN" altLang="en-US"/>
           </a:p>
@@ -1810,7 +1811,7 @@
           <a:p>
             <a:fld id="{2AD5925D-BE20-4C0D-954F-56512CC68C6B}" type="datetimeFigureOut">
               <a:rPr lang="zh-CN" altLang="en-US" smtClean="0"/>
-              <a:t>2017-03-14</a:t>
+              <a:t>2017-03-16</a:t>
             </a:fld>
             <a:endParaRPr lang="zh-CN" altLang="en-US"/>
           </a:p>
@@ -2085,7 +2086,7 @@
           <a:p>
             <a:fld id="{2AD5925D-BE20-4C0D-954F-56512CC68C6B}" type="datetimeFigureOut">
               <a:rPr lang="zh-CN" altLang="en-US" smtClean="0"/>
-              <a:t>2017-03-14</a:t>
+              <a:t>2017-03-16</a:t>
             </a:fld>
             <a:endParaRPr lang="zh-CN" altLang="en-US"/>
           </a:p>
@@ -2337,7 +2338,7 @@
           <a:p>
             <a:fld id="{2AD5925D-BE20-4C0D-954F-56512CC68C6B}" type="datetimeFigureOut">
               <a:rPr lang="zh-CN" altLang="en-US" smtClean="0"/>
-              <a:t>2017-03-14</a:t>
+              <a:t>2017-03-16</a:t>
             </a:fld>
             <a:endParaRPr lang="zh-CN" altLang="en-US"/>
           </a:p>
@@ -2548,7 +2549,7 @@
           <a:p>
             <a:fld id="{2AD5925D-BE20-4C0D-954F-56512CC68C6B}" type="datetimeFigureOut">
               <a:rPr lang="zh-CN" altLang="en-US" smtClean="0"/>
-              <a:t>2017-03-14</a:t>
+              <a:t>2017-03-16</a:t>
             </a:fld>
             <a:endParaRPr lang="zh-CN" altLang="en-US"/>
           </a:p>
@@ -3415,31 +3416,55 @@
           <a:lstStyle/>
           <a:p>
             <a:r>
+              <a:rPr lang="en-US" altLang="zh-CN" dirty="0"/>
+              <a:t>Basic packages and library</a:t>
+            </a:r>
+            <a:endParaRPr lang="zh-CN" altLang="en-US" dirty="0"/>
+          </a:p>
+        </p:txBody>
+      </p:sp>
+      <p:sp>
+        <p:nvSpPr>
+          <p:cNvPr id="3" name="内容占位符 2"/>
+          <p:cNvSpPr>
+            <a:spLocks noGrp="1"/>
+          </p:cNvSpPr>
+          <p:nvPr>
+            <p:ph idx="1"/>
+          </p:nvPr>
+        </p:nvSpPr>
+        <p:spPr/>
+        <p:txBody>
+          <a:bodyPr/>
+          <a:lstStyle/>
+          <a:p>
+            <a:r>
               <a:rPr lang="en-US" altLang="zh-CN" dirty="0" err="1"/>
-              <a:t>Mocores</a:t>
-            </a:r>
+              <a:t>Sql</a:t>
+            </a:r>
+            <a:endParaRPr lang="en-US" altLang="zh-CN" dirty="0"/>
+          </a:p>
+          <a:p>
             <a:r>
               <a:rPr lang="en-US" altLang="zh-CN" dirty="0"/>
-              <a:t> C++ Style Guide</a:t>
-            </a:r>
-            <a:endParaRPr lang="zh-CN" altLang="en-US" dirty="0"/>
-          </a:p>
-        </p:txBody>
-      </p:sp>
-      <p:sp>
-        <p:nvSpPr>
-          <p:cNvPr id="3" name="内容占位符 2"/>
-          <p:cNvSpPr>
-            <a:spLocks noGrp="1"/>
-          </p:cNvSpPr>
-          <p:nvPr>
-            <p:ph idx="1"/>
-          </p:nvPr>
-        </p:nvSpPr>
-        <p:spPr/>
-        <p:txBody>
-          <a:bodyPr/>
-          <a:lstStyle/>
+              <a:t>Network</a:t>
+            </a:r>
+          </a:p>
+          <a:p>
+            <a:r>
+              <a:rPr lang="en-US" altLang="zh-CN" dirty="0"/>
+              <a:t>Thread</a:t>
+            </a:r>
+          </a:p>
+          <a:p>
+            <a:r>
+              <a:rPr lang="en-US" altLang="zh-CN" dirty="0"/>
+              <a:t>Filesystem</a:t>
+            </a:r>
+          </a:p>
+          <a:p>
+            <a:endParaRPr lang="en-US" altLang="zh-CN" dirty="0"/>
+          </a:p>
           <a:p>
             <a:endParaRPr lang="zh-CN" altLang="en-US" dirty="0"/>
           </a:p>
@@ -3448,7 +3473,7 @@
     </p:spTree>
     <p:extLst>
       <p:ext uri="{BB962C8B-B14F-4D97-AF65-F5344CB8AC3E}">
-        <p14:creationId xmlns:p14="http://schemas.microsoft.com/office/powerpoint/2010/main" val="39291419"/>
+        <p14:creationId xmlns:p14="http://schemas.microsoft.com/office/powerpoint/2010/main" val="811785180"/>
       </p:ext>
     </p:extLst>
   </p:cSld>
@@ -3492,7 +3517,7 @@
           <a:p>
             <a:r>
               <a:rPr lang="en-US" altLang="zh-CN" dirty="0"/>
-              <a:t>Basic packages and library</a:t>
+              <a:t>Two components</a:t>
             </a:r>
             <a:endParaRPr lang="zh-CN" altLang="en-US" dirty="0"/>
           </a:p>
@@ -3514,31 +3539,15 @@
           <a:lstStyle/>
           <a:p>
             <a:r>
-              <a:rPr lang="en-US" altLang="zh-CN" dirty="0" err="1"/>
-              <a:t>Sql</a:t>
-            </a:r>
-            <a:endParaRPr lang="en-US" altLang="zh-CN" dirty="0"/>
-          </a:p>
-          <a:p>
-            <a:r>
               <a:rPr lang="en-US" altLang="zh-CN" dirty="0"/>
-              <a:t>Network</a:t>
+              <a:t>Master Node</a:t>
             </a:r>
           </a:p>
           <a:p>
             <a:r>
               <a:rPr lang="en-US" altLang="zh-CN" dirty="0"/>
-              <a:t>Thread</a:t>
-            </a:r>
-          </a:p>
-          <a:p>
-            <a:r>
-              <a:rPr lang="en-US" altLang="zh-CN" dirty="0"/>
-              <a:t>Filesystem</a:t>
-            </a:r>
-          </a:p>
-          <a:p>
-            <a:endParaRPr lang="en-US" altLang="zh-CN" dirty="0"/>
+              <a:t>Computing Node</a:t>
+            </a:r>
           </a:p>
           <a:p>
             <a:endParaRPr lang="zh-CN" altLang="en-US" dirty="0"/>
@@ -3548,7 +3557,7 @@
     </p:spTree>
     <p:extLst>
       <p:ext uri="{BB962C8B-B14F-4D97-AF65-F5344CB8AC3E}">
-        <p14:creationId xmlns:p14="http://schemas.microsoft.com/office/powerpoint/2010/main" val="811785180"/>
+        <p14:creationId xmlns:p14="http://schemas.microsoft.com/office/powerpoint/2010/main" val="366630020"/>
       </p:ext>
     </p:extLst>
   </p:cSld>
@@ -3592,7 +3601,7 @@
           <a:p>
             <a:r>
               <a:rPr lang="en-US" altLang="zh-CN" dirty="0"/>
-              <a:t>Two components</a:t>
+              <a:t>Master Node</a:t>
             </a:r>
             <a:endParaRPr lang="zh-CN" altLang="en-US" dirty="0"/>
           </a:p>
@@ -3600,39 +3609,933 @@
       </p:sp>
       <p:sp>
         <p:nvSpPr>
-          <p:cNvPr id="3" name="内容占位符 2"/>
-          <p:cNvSpPr>
-            <a:spLocks noGrp="1"/>
-          </p:cNvSpPr>
-          <p:nvPr>
-            <p:ph idx="1"/>
-          </p:nvPr>
-        </p:nvSpPr>
-        <p:spPr/>
-        <p:txBody>
-          <a:bodyPr/>
-          <a:lstStyle/>
-          <a:p>
+          <p:cNvPr id="6" name="矩形 5"/>
+          <p:cNvSpPr/>
+          <p:nvPr/>
+        </p:nvSpPr>
+        <p:spPr>
+          <a:xfrm>
+            <a:off x="1425038" y="1690688"/>
+            <a:ext cx="1615045" cy="387494"/>
+          </a:xfrm>
+          <a:prstGeom prst="rect">
+            <a:avLst/>
+          </a:prstGeom>
+        </p:spPr>
+        <p:style>
+          <a:lnRef idx="2">
+            <a:schemeClr val="accent1">
+              <a:shade val="50000"/>
+            </a:schemeClr>
+          </a:lnRef>
+          <a:fillRef idx="1">
+            <a:schemeClr val="accent1"/>
+          </a:fillRef>
+          <a:effectRef idx="0">
+            <a:schemeClr val="accent1"/>
+          </a:effectRef>
+          <a:fontRef idx="minor">
+            <a:schemeClr val="lt1"/>
+          </a:fontRef>
+        </p:style>
+        <p:txBody>
+          <a:bodyPr rtlCol="0" anchor="ctr"/>
+          <a:lstStyle/>
+          <a:p>
+            <a:pPr algn="ctr"/>
+            <a:r>
+              <a:rPr lang="zh-CN" altLang="en-US" dirty="0"/>
+              <a:t>配置读取模块</a:t>
+            </a:r>
+          </a:p>
+        </p:txBody>
+      </p:sp>
+      <p:sp>
+        <p:nvSpPr>
+          <p:cNvPr id="7" name="矩形 6"/>
+          <p:cNvSpPr/>
+          <p:nvPr/>
+        </p:nvSpPr>
+        <p:spPr>
+          <a:xfrm>
+            <a:off x="1425038" y="2723842"/>
+            <a:ext cx="1389413" cy="387494"/>
+          </a:xfrm>
+          <a:prstGeom prst="rect">
+            <a:avLst/>
+          </a:prstGeom>
+        </p:spPr>
+        <p:style>
+          <a:lnRef idx="2">
+            <a:schemeClr val="accent1">
+              <a:shade val="50000"/>
+            </a:schemeClr>
+          </a:lnRef>
+          <a:fillRef idx="1">
+            <a:schemeClr val="accent1"/>
+          </a:fillRef>
+          <a:effectRef idx="0">
+            <a:schemeClr val="accent1"/>
+          </a:effectRef>
+          <a:fontRef idx="minor">
+            <a:schemeClr val="lt1"/>
+          </a:fontRef>
+        </p:style>
+        <p:txBody>
+          <a:bodyPr rtlCol="0" anchor="ctr"/>
+          <a:lstStyle/>
+          <a:p>
+            <a:pPr algn="ctr"/>
+            <a:r>
+              <a:rPr lang="zh-CN" altLang="en-US" dirty="0"/>
+              <a:t>数据库模块</a:t>
+            </a:r>
+          </a:p>
+        </p:txBody>
+      </p:sp>
+      <p:sp>
+        <p:nvSpPr>
+          <p:cNvPr id="8" name="矩形 7"/>
+          <p:cNvSpPr/>
+          <p:nvPr/>
+        </p:nvSpPr>
+        <p:spPr>
+          <a:xfrm>
+            <a:off x="1448789" y="3756996"/>
+            <a:ext cx="1710049" cy="387494"/>
+          </a:xfrm>
+          <a:prstGeom prst="rect">
+            <a:avLst/>
+          </a:prstGeom>
+        </p:spPr>
+        <p:style>
+          <a:lnRef idx="2">
+            <a:schemeClr val="accent1">
+              <a:shade val="50000"/>
+            </a:schemeClr>
+          </a:lnRef>
+          <a:fillRef idx="1">
+            <a:schemeClr val="accent1"/>
+          </a:fillRef>
+          <a:effectRef idx="0">
+            <a:schemeClr val="accent1"/>
+          </a:effectRef>
+          <a:fontRef idx="minor">
+            <a:schemeClr val="lt1"/>
+          </a:fontRef>
+        </p:style>
+        <p:txBody>
+          <a:bodyPr rtlCol="0" anchor="ctr"/>
+          <a:lstStyle/>
+          <a:p>
+            <a:pPr algn="ctr"/>
+            <a:r>
+              <a:rPr lang="zh-CN" altLang="en-US" dirty="0"/>
+              <a:t>网络监听模块</a:t>
+            </a:r>
+          </a:p>
+        </p:txBody>
+      </p:sp>
+      <p:sp>
+        <p:nvSpPr>
+          <p:cNvPr id="10" name="左大括号 9"/>
+          <p:cNvSpPr/>
+          <p:nvPr/>
+        </p:nvSpPr>
+        <p:spPr>
+          <a:xfrm>
+            <a:off x="3265714" y="3113532"/>
+            <a:ext cx="427512" cy="1674421"/>
+          </a:xfrm>
+          <a:prstGeom prst="leftBrace">
+            <a:avLst/>
+          </a:prstGeom>
+        </p:spPr>
+        <p:style>
+          <a:lnRef idx="1">
+            <a:schemeClr val="accent1"/>
+          </a:lnRef>
+          <a:fillRef idx="0">
+            <a:schemeClr val="accent1"/>
+          </a:fillRef>
+          <a:effectRef idx="0">
+            <a:schemeClr val="accent1"/>
+          </a:effectRef>
+          <a:fontRef idx="minor">
+            <a:schemeClr val="tx1"/>
+          </a:fontRef>
+        </p:style>
+        <p:txBody>
+          <a:bodyPr rtlCol="0" anchor="ctr"/>
+          <a:lstStyle/>
+          <a:p>
+            <a:pPr algn="ctr"/>
+            <a:endParaRPr lang="zh-CN" altLang="en-US"/>
+          </a:p>
+        </p:txBody>
+      </p:sp>
+      <p:sp>
+        <p:nvSpPr>
+          <p:cNvPr id="11" name="矩形 10"/>
+          <p:cNvSpPr/>
+          <p:nvPr/>
+        </p:nvSpPr>
+        <p:spPr>
+          <a:xfrm>
+            <a:off x="3752601" y="2897579"/>
+            <a:ext cx="1983181" cy="577502"/>
+          </a:xfrm>
+          <a:prstGeom prst="rect">
+            <a:avLst/>
+          </a:prstGeom>
+        </p:spPr>
+        <p:style>
+          <a:lnRef idx="2">
+            <a:schemeClr val="accent1">
+              <a:shade val="50000"/>
+            </a:schemeClr>
+          </a:lnRef>
+          <a:fillRef idx="1">
+            <a:schemeClr val="accent1"/>
+          </a:fillRef>
+          <a:effectRef idx="0">
+            <a:schemeClr val="accent1"/>
+          </a:effectRef>
+          <a:fontRef idx="minor">
+            <a:schemeClr val="lt1"/>
+          </a:fontRef>
+        </p:style>
+        <p:txBody>
+          <a:bodyPr rtlCol="0" anchor="ctr"/>
+          <a:lstStyle/>
+          <a:p>
+            <a:pPr algn="ctr"/>
+            <a:r>
+              <a:rPr lang="en-US" altLang="zh-CN" dirty="0" err="1"/>
+              <a:t>ComputingNode</a:t>
+            </a:r>
+            <a:r>
+              <a:rPr lang="zh-CN" altLang="en-US" dirty="0"/>
+              <a:t>监听模块</a:t>
+            </a:r>
+          </a:p>
+        </p:txBody>
+      </p:sp>
+      <p:sp>
+        <p:nvSpPr>
+          <p:cNvPr id="12" name="矩形 11"/>
+          <p:cNvSpPr/>
+          <p:nvPr/>
+        </p:nvSpPr>
+        <p:spPr>
+          <a:xfrm>
+            <a:off x="3752601" y="4393221"/>
+            <a:ext cx="1983181" cy="577502"/>
+          </a:xfrm>
+          <a:prstGeom prst="rect">
+            <a:avLst/>
+          </a:prstGeom>
+        </p:spPr>
+        <p:style>
+          <a:lnRef idx="2">
+            <a:schemeClr val="accent1">
+              <a:shade val="50000"/>
+            </a:schemeClr>
+          </a:lnRef>
+          <a:fillRef idx="1">
+            <a:schemeClr val="accent1"/>
+          </a:fillRef>
+          <a:effectRef idx="0">
+            <a:schemeClr val="accent1"/>
+          </a:effectRef>
+          <a:fontRef idx="minor">
+            <a:schemeClr val="lt1"/>
+          </a:fontRef>
+        </p:style>
+        <p:txBody>
+          <a:bodyPr rtlCol="0" anchor="ctr"/>
+          <a:lstStyle/>
+          <a:p>
+            <a:pPr algn="ctr"/>
+            <a:r>
+              <a:rPr lang="en-US" altLang="zh-CN" dirty="0" err="1"/>
+              <a:t>MasterNode</a:t>
+            </a:r>
+            <a:r>
+              <a:rPr lang="zh-CN" altLang="en-US" dirty="0"/>
+              <a:t>监听模块</a:t>
+            </a:r>
+          </a:p>
+        </p:txBody>
+      </p:sp>
+      <p:sp>
+        <p:nvSpPr>
+          <p:cNvPr id="13" name="椭圆 12"/>
+          <p:cNvSpPr/>
+          <p:nvPr/>
+        </p:nvSpPr>
+        <p:spPr>
+          <a:xfrm>
+            <a:off x="6329545" y="547565"/>
+            <a:ext cx="2826330" cy="526906"/>
+          </a:xfrm>
+          <a:prstGeom prst="ellipse">
+            <a:avLst/>
+          </a:prstGeom>
+        </p:spPr>
+        <p:style>
+          <a:lnRef idx="2">
+            <a:schemeClr val="accent1">
+              <a:shade val="50000"/>
+            </a:schemeClr>
+          </a:lnRef>
+          <a:fillRef idx="1">
+            <a:schemeClr val="accent1"/>
+          </a:fillRef>
+          <a:effectRef idx="0">
+            <a:schemeClr val="accent1"/>
+          </a:effectRef>
+          <a:fontRef idx="minor">
+            <a:schemeClr val="lt1"/>
+          </a:fontRef>
+        </p:style>
+        <p:txBody>
+          <a:bodyPr rtlCol="0" anchor="ctr"/>
+          <a:lstStyle/>
+          <a:p>
+            <a:pPr algn="ctr"/>
             <a:r>
               <a:rPr lang="en-US" altLang="zh-CN" dirty="0"/>
-              <a:t>Master Node</a:t>
-            </a:r>
-          </a:p>
-          <a:p>
+              <a:t>Computing node</a:t>
+            </a:r>
+            <a:r>
+              <a:rPr lang="zh-CN" altLang="en-US" dirty="0"/>
+              <a:t>登陆</a:t>
+            </a:r>
+            <a:endParaRPr lang="en-US" altLang="zh-CN" dirty="0"/>
+          </a:p>
+        </p:txBody>
+      </p:sp>
+      <p:sp>
+        <p:nvSpPr>
+          <p:cNvPr id="15" name="矩形: 剪去对角 14"/>
+          <p:cNvSpPr/>
+          <p:nvPr/>
+        </p:nvSpPr>
+        <p:spPr>
+          <a:xfrm>
+            <a:off x="9646228" y="547565"/>
+            <a:ext cx="1876301" cy="482496"/>
+          </a:xfrm>
+          <a:prstGeom prst="snip2DiagRect">
+            <a:avLst/>
+          </a:prstGeom>
+        </p:spPr>
+        <p:style>
+          <a:lnRef idx="2">
+            <a:schemeClr val="accent1">
+              <a:shade val="50000"/>
+            </a:schemeClr>
+          </a:lnRef>
+          <a:fillRef idx="1">
+            <a:schemeClr val="accent1"/>
+          </a:fillRef>
+          <a:effectRef idx="0">
+            <a:schemeClr val="accent1"/>
+          </a:effectRef>
+          <a:fontRef idx="minor">
+            <a:schemeClr val="lt1"/>
+          </a:fontRef>
+        </p:style>
+        <p:txBody>
+          <a:bodyPr rtlCol="0" anchor="ctr"/>
+          <a:lstStyle/>
+          <a:p>
+            <a:pPr algn="ctr"/>
+            <a:r>
+              <a:rPr lang="zh-CN" altLang="en-US" dirty="0"/>
+              <a:t>数据库记录</a:t>
+            </a:r>
+          </a:p>
+        </p:txBody>
+      </p:sp>
+      <p:cxnSp>
+        <p:nvCxnSpPr>
+          <p:cNvPr id="17" name="直接箭头连接符 16"/>
+          <p:cNvCxnSpPr>
+            <a:stCxn id="13" idx="6"/>
+            <a:endCxn id="15" idx="2"/>
+          </p:cNvCxnSpPr>
+          <p:nvPr/>
+        </p:nvCxnSpPr>
+        <p:spPr>
+          <a:xfrm flipV="1">
+            <a:off x="9155875" y="788813"/>
+            <a:ext cx="490353" cy="22205"/>
+          </a:xfrm>
+          <a:prstGeom prst="straightConnector1">
+            <a:avLst/>
+          </a:prstGeom>
+          <a:ln>
+            <a:tailEnd type="triangle"/>
+          </a:ln>
+        </p:spPr>
+        <p:style>
+          <a:lnRef idx="1">
+            <a:schemeClr val="accent1"/>
+          </a:lnRef>
+          <a:fillRef idx="0">
+            <a:schemeClr val="accent1"/>
+          </a:fillRef>
+          <a:effectRef idx="0">
+            <a:schemeClr val="accent1"/>
+          </a:effectRef>
+          <a:fontRef idx="minor">
+            <a:schemeClr val="tx1"/>
+          </a:fontRef>
+        </p:style>
+      </p:cxnSp>
+      <p:sp>
+        <p:nvSpPr>
+          <p:cNvPr id="20" name="椭圆 19"/>
+          <p:cNvSpPr/>
+          <p:nvPr/>
+        </p:nvSpPr>
+        <p:spPr>
+          <a:xfrm>
+            <a:off x="6329545" y="1536308"/>
+            <a:ext cx="2826330" cy="526906"/>
+          </a:xfrm>
+          <a:prstGeom prst="ellipse">
+            <a:avLst/>
+          </a:prstGeom>
+        </p:spPr>
+        <p:style>
+          <a:lnRef idx="2">
+            <a:schemeClr val="accent1">
+              <a:shade val="50000"/>
+            </a:schemeClr>
+          </a:lnRef>
+          <a:fillRef idx="1">
+            <a:schemeClr val="accent1"/>
+          </a:fillRef>
+          <a:effectRef idx="0">
+            <a:schemeClr val="accent1"/>
+          </a:effectRef>
+          <a:fontRef idx="minor">
+            <a:schemeClr val="lt1"/>
+          </a:fontRef>
+        </p:style>
+        <p:txBody>
+          <a:bodyPr rtlCol="0" anchor="ctr"/>
+          <a:lstStyle/>
+          <a:p>
+            <a:pPr algn="ctr"/>
             <a:r>
               <a:rPr lang="en-US" altLang="zh-CN" dirty="0"/>
-              <a:t>Computing Node</a:t>
-            </a:r>
-          </a:p>
-          <a:p>
+              <a:t>Computing node</a:t>
+            </a:r>
+            <a:r>
+              <a:rPr lang="zh-CN" altLang="en-US" dirty="0"/>
+              <a:t>请求调度</a:t>
+            </a:r>
+            <a:endParaRPr lang="en-US" altLang="zh-CN" dirty="0"/>
+          </a:p>
+        </p:txBody>
+      </p:sp>
+      <p:sp>
+        <p:nvSpPr>
+          <p:cNvPr id="21" name="矩形: 剪去对角 20"/>
+          <p:cNvSpPr/>
+          <p:nvPr/>
+        </p:nvSpPr>
+        <p:spPr>
+          <a:xfrm>
+            <a:off x="9646228" y="1536308"/>
+            <a:ext cx="1876301" cy="482496"/>
+          </a:xfrm>
+          <a:prstGeom prst="snip2DiagRect">
+            <a:avLst/>
+          </a:prstGeom>
+        </p:spPr>
+        <p:style>
+          <a:lnRef idx="2">
+            <a:schemeClr val="accent1">
+              <a:shade val="50000"/>
+            </a:schemeClr>
+          </a:lnRef>
+          <a:fillRef idx="1">
+            <a:schemeClr val="accent1"/>
+          </a:fillRef>
+          <a:effectRef idx="0">
+            <a:schemeClr val="accent1"/>
+          </a:effectRef>
+          <a:fontRef idx="minor">
+            <a:schemeClr val="lt1"/>
+          </a:fontRef>
+        </p:style>
+        <p:txBody>
+          <a:bodyPr rtlCol="0" anchor="ctr"/>
+          <a:lstStyle/>
+          <a:p>
+            <a:pPr algn="ctr"/>
+            <a:r>
+              <a:rPr lang="zh-CN" altLang="en-US" dirty="0"/>
+              <a:t>分配任务</a:t>
+            </a:r>
+          </a:p>
+        </p:txBody>
+      </p:sp>
+      <p:cxnSp>
+        <p:nvCxnSpPr>
+          <p:cNvPr id="22" name="直接箭头连接符 21"/>
+          <p:cNvCxnSpPr/>
+          <p:nvPr/>
+        </p:nvCxnSpPr>
+        <p:spPr>
+          <a:xfrm flipV="1">
+            <a:off x="9155875" y="1788658"/>
+            <a:ext cx="490353" cy="22205"/>
+          </a:xfrm>
+          <a:prstGeom prst="straightConnector1">
+            <a:avLst/>
+          </a:prstGeom>
+          <a:ln>
+            <a:tailEnd type="triangle"/>
+          </a:ln>
+        </p:spPr>
+        <p:style>
+          <a:lnRef idx="1">
+            <a:schemeClr val="accent1"/>
+          </a:lnRef>
+          <a:fillRef idx="0">
+            <a:schemeClr val="accent1"/>
+          </a:fillRef>
+          <a:effectRef idx="0">
+            <a:schemeClr val="accent1"/>
+          </a:effectRef>
+          <a:fontRef idx="minor">
+            <a:schemeClr val="tx1"/>
+          </a:fontRef>
+        </p:style>
+      </p:cxnSp>
+      <p:sp>
+        <p:nvSpPr>
+          <p:cNvPr id="23" name="椭圆 22"/>
+          <p:cNvSpPr/>
+          <p:nvPr/>
+        </p:nvSpPr>
+        <p:spPr>
+          <a:xfrm>
+            <a:off x="6329545" y="2885703"/>
+            <a:ext cx="2826330" cy="526906"/>
+          </a:xfrm>
+          <a:prstGeom prst="ellipse">
+            <a:avLst/>
+          </a:prstGeom>
+        </p:spPr>
+        <p:style>
+          <a:lnRef idx="2">
+            <a:schemeClr val="accent1">
+              <a:shade val="50000"/>
+            </a:schemeClr>
+          </a:lnRef>
+          <a:fillRef idx="1">
+            <a:schemeClr val="accent1"/>
+          </a:fillRef>
+          <a:effectRef idx="0">
+            <a:schemeClr val="accent1"/>
+          </a:effectRef>
+          <a:fontRef idx="minor">
+            <a:schemeClr val="lt1"/>
+          </a:fontRef>
+        </p:style>
+        <p:txBody>
+          <a:bodyPr rtlCol="0" anchor="ctr"/>
+          <a:lstStyle/>
+          <a:p>
+            <a:pPr algn="ctr"/>
+            <a:r>
+              <a:rPr lang="en-US" altLang="zh-CN" dirty="0"/>
+              <a:t>Computing node</a:t>
+            </a:r>
+            <a:r>
+              <a:rPr lang="zh-CN" altLang="en-US" dirty="0"/>
+              <a:t>传回结果</a:t>
+            </a:r>
+            <a:endParaRPr lang="en-US" altLang="zh-CN" dirty="0"/>
+          </a:p>
+        </p:txBody>
+      </p:sp>
+      <p:sp>
+        <p:nvSpPr>
+          <p:cNvPr id="24" name="矩形: 剪去对角 23"/>
+          <p:cNvSpPr/>
+          <p:nvPr/>
+        </p:nvSpPr>
+        <p:spPr>
+          <a:xfrm>
+            <a:off x="9646228" y="2885703"/>
+            <a:ext cx="1876301" cy="482496"/>
+          </a:xfrm>
+          <a:prstGeom prst="snip2DiagRect">
+            <a:avLst/>
+          </a:prstGeom>
+        </p:spPr>
+        <p:style>
+          <a:lnRef idx="2">
+            <a:schemeClr val="accent1">
+              <a:shade val="50000"/>
+            </a:schemeClr>
+          </a:lnRef>
+          <a:fillRef idx="1">
+            <a:schemeClr val="accent1"/>
+          </a:fillRef>
+          <a:effectRef idx="0">
+            <a:schemeClr val="accent1"/>
+          </a:effectRef>
+          <a:fontRef idx="minor">
+            <a:schemeClr val="lt1"/>
+          </a:fontRef>
+        </p:style>
+        <p:txBody>
+          <a:bodyPr rtlCol="0" anchor="ctr"/>
+          <a:lstStyle/>
+          <a:p>
+            <a:pPr algn="ctr"/>
+            <a:r>
+              <a:rPr lang="zh-CN" altLang="en-US" dirty="0"/>
+              <a:t>检查正确性</a:t>
+            </a:r>
+          </a:p>
+        </p:txBody>
+      </p:sp>
+      <p:cxnSp>
+        <p:nvCxnSpPr>
+          <p:cNvPr id="25" name="直接箭头连接符 24"/>
+          <p:cNvCxnSpPr/>
+          <p:nvPr/>
+        </p:nvCxnSpPr>
+        <p:spPr>
+          <a:xfrm flipV="1">
+            <a:off x="9155875" y="3138053"/>
+            <a:ext cx="490353" cy="22205"/>
+          </a:xfrm>
+          <a:prstGeom prst="straightConnector1">
+            <a:avLst/>
+          </a:prstGeom>
+          <a:ln>
+            <a:tailEnd type="triangle"/>
+          </a:ln>
+        </p:spPr>
+        <p:style>
+          <a:lnRef idx="1">
+            <a:schemeClr val="accent1"/>
+          </a:lnRef>
+          <a:fillRef idx="0">
+            <a:schemeClr val="accent1"/>
+          </a:fillRef>
+          <a:effectRef idx="0">
+            <a:schemeClr val="accent1"/>
+          </a:effectRef>
+          <a:fontRef idx="minor">
+            <a:schemeClr val="tx1"/>
+          </a:fontRef>
+        </p:style>
+      </p:cxnSp>
+      <p:sp>
+        <p:nvSpPr>
+          <p:cNvPr id="26" name="矩形: 剪去对角 25"/>
+          <p:cNvSpPr/>
+          <p:nvPr/>
+        </p:nvSpPr>
+        <p:spPr>
+          <a:xfrm>
+            <a:off x="9646227" y="4144490"/>
+            <a:ext cx="1876301" cy="482496"/>
+          </a:xfrm>
+          <a:prstGeom prst="snip2DiagRect">
+            <a:avLst/>
+          </a:prstGeom>
+        </p:spPr>
+        <p:style>
+          <a:lnRef idx="2">
+            <a:schemeClr val="accent1">
+              <a:shade val="50000"/>
+            </a:schemeClr>
+          </a:lnRef>
+          <a:fillRef idx="1">
+            <a:schemeClr val="accent1"/>
+          </a:fillRef>
+          <a:effectRef idx="0">
+            <a:schemeClr val="accent1"/>
+          </a:effectRef>
+          <a:fontRef idx="minor">
+            <a:schemeClr val="lt1"/>
+          </a:fontRef>
+        </p:style>
+        <p:txBody>
+          <a:bodyPr rtlCol="0" anchor="ctr"/>
+          <a:lstStyle/>
+          <a:p>
+            <a:pPr algn="ctr"/>
+            <a:r>
+              <a:rPr lang="zh-CN" altLang="en-US" dirty="0"/>
+              <a:t>整合</a:t>
+            </a:r>
+          </a:p>
+        </p:txBody>
+      </p:sp>
+      <p:sp>
+        <p:nvSpPr>
+          <p:cNvPr id="28" name="菱形 27"/>
+          <p:cNvSpPr/>
+          <p:nvPr/>
+        </p:nvSpPr>
+        <p:spPr>
+          <a:xfrm>
+            <a:off x="6687539" y="3950741"/>
+            <a:ext cx="2123952" cy="1019981"/>
+          </a:xfrm>
+          <a:prstGeom prst="diamond">
+            <a:avLst/>
+          </a:prstGeom>
+        </p:spPr>
+        <p:style>
+          <a:lnRef idx="2">
+            <a:schemeClr val="accent1">
+              <a:shade val="50000"/>
+            </a:schemeClr>
+          </a:lnRef>
+          <a:fillRef idx="1">
+            <a:schemeClr val="accent1"/>
+          </a:fillRef>
+          <a:effectRef idx="0">
+            <a:schemeClr val="accent1"/>
+          </a:effectRef>
+          <a:fontRef idx="minor">
+            <a:schemeClr val="lt1"/>
+          </a:fontRef>
+        </p:style>
+        <p:txBody>
+          <a:bodyPr rtlCol="0" anchor="ctr"/>
+          <a:lstStyle/>
+          <a:p>
+            <a:pPr algn="ctr"/>
+            <a:r>
+              <a:rPr lang="zh-CN" altLang="en-US" dirty="0"/>
+              <a:t>若完成一个</a:t>
+            </a:r>
+            <a:r>
+              <a:rPr lang="en-US" altLang="zh-CN" dirty="0"/>
+              <a:t>task</a:t>
+            </a:r>
             <a:endParaRPr lang="zh-CN" altLang="en-US" dirty="0"/>
+          </a:p>
+        </p:txBody>
+      </p:sp>
+      <p:sp>
+        <p:nvSpPr>
+          <p:cNvPr id="29" name="矩形 28"/>
+          <p:cNvSpPr/>
+          <p:nvPr/>
+        </p:nvSpPr>
+        <p:spPr>
+          <a:xfrm>
+            <a:off x="6911439" y="5508854"/>
+            <a:ext cx="1662545" cy="570015"/>
+          </a:xfrm>
+          <a:prstGeom prst="rect">
+            <a:avLst/>
+          </a:prstGeom>
+        </p:spPr>
+        <p:style>
+          <a:lnRef idx="2">
+            <a:schemeClr val="accent1">
+              <a:shade val="50000"/>
+            </a:schemeClr>
+          </a:lnRef>
+          <a:fillRef idx="1">
+            <a:schemeClr val="accent1"/>
+          </a:fillRef>
+          <a:effectRef idx="0">
+            <a:schemeClr val="accent1"/>
+          </a:effectRef>
+          <a:fontRef idx="minor">
+            <a:schemeClr val="lt1"/>
+          </a:fontRef>
+        </p:style>
+        <p:txBody>
+          <a:bodyPr rtlCol="0" anchor="ctr"/>
+          <a:lstStyle/>
+          <a:p>
+            <a:pPr algn="ctr"/>
+            <a:r>
+              <a:rPr lang="zh-CN" altLang="en-US" dirty="0"/>
+              <a:t>通知</a:t>
+            </a:r>
+            <a:r>
+              <a:rPr lang="en-US" altLang="zh-CN" dirty="0"/>
+              <a:t>server</a:t>
+            </a:r>
+            <a:endParaRPr lang="zh-CN" altLang="en-US" dirty="0"/>
+          </a:p>
+        </p:txBody>
+      </p:sp>
+      <p:cxnSp>
+        <p:nvCxnSpPr>
+          <p:cNvPr id="31" name="直接箭头连接符 30"/>
+          <p:cNvCxnSpPr>
+            <a:stCxn id="24" idx="1"/>
+          </p:cNvCxnSpPr>
+          <p:nvPr/>
+        </p:nvCxnSpPr>
+        <p:spPr>
+          <a:xfrm flipH="1">
+            <a:off x="10584377" y="3368199"/>
+            <a:ext cx="2" cy="918793"/>
+          </a:xfrm>
+          <a:prstGeom prst="straightConnector1">
+            <a:avLst/>
+          </a:prstGeom>
+          <a:ln>
+            <a:tailEnd type="triangle"/>
+          </a:ln>
+        </p:spPr>
+        <p:style>
+          <a:lnRef idx="1">
+            <a:schemeClr val="accent1"/>
+          </a:lnRef>
+          <a:fillRef idx="0">
+            <a:schemeClr val="accent1"/>
+          </a:fillRef>
+          <a:effectRef idx="0">
+            <a:schemeClr val="accent1"/>
+          </a:effectRef>
+          <a:fontRef idx="minor">
+            <a:schemeClr val="tx1"/>
+          </a:fontRef>
+        </p:style>
+      </p:cxnSp>
+      <p:cxnSp>
+        <p:nvCxnSpPr>
+          <p:cNvPr id="33" name="直接箭头连接符 32"/>
+          <p:cNvCxnSpPr>
+            <a:stCxn id="26" idx="2"/>
+            <a:endCxn id="28" idx="3"/>
+          </p:cNvCxnSpPr>
+          <p:nvPr/>
+        </p:nvCxnSpPr>
+        <p:spPr>
+          <a:xfrm flipH="1">
+            <a:off x="8811491" y="4385738"/>
+            <a:ext cx="834736" cy="74994"/>
+          </a:xfrm>
+          <a:prstGeom prst="straightConnector1">
+            <a:avLst/>
+          </a:prstGeom>
+          <a:ln>
+            <a:tailEnd type="triangle"/>
+          </a:ln>
+        </p:spPr>
+        <p:style>
+          <a:lnRef idx="1">
+            <a:schemeClr val="accent1"/>
+          </a:lnRef>
+          <a:fillRef idx="0">
+            <a:schemeClr val="accent1"/>
+          </a:fillRef>
+          <a:effectRef idx="0">
+            <a:schemeClr val="accent1"/>
+          </a:effectRef>
+          <a:fontRef idx="minor">
+            <a:schemeClr val="tx1"/>
+          </a:fontRef>
+        </p:style>
+      </p:cxnSp>
+      <p:cxnSp>
+        <p:nvCxnSpPr>
+          <p:cNvPr id="35" name="直接箭头连接符 34"/>
+          <p:cNvCxnSpPr>
+            <a:stCxn id="28" idx="2"/>
+            <a:endCxn id="29" idx="0"/>
+          </p:cNvCxnSpPr>
+          <p:nvPr/>
+        </p:nvCxnSpPr>
+        <p:spPr>
+          <a:xfrm flipH="1">
+            <a:off x="7742712" y="4970722"/>
+            <a:ext cx="6803" cy="538132"/>
+          </a:xfrm>
+          <a:prstGeom prst="straightConnector1">
+            <a:avLst/>
+          </a:prstGeom>
+          <a:ln>
+            <a:tailEnd type="triangle"/>
+          </a:ln>
+        </p:spPr>
+        <p:style>
+          <a:lnRef idx="1">
+            <a:schemeClr val="accent1"/>
+          </a:lnRef>
+          <a:fillRef idx="0">
+            <a:schemeClr val="accent1"/>
+          </a:fillRef>
+          <a:effectRef idx="0">
+            <a:schemeClr val="accent1"/>
+          </a:effectRef>
+          <a:fontRef idx="minor">
+            <a:schemeClr val="tx1"/>
+          </a:fontRef>
+        </p:style>
+      </p:cxnSp>
+      <p:sp>
+        <p:nvSpPr>
+          <p:cNvPr id="36" name="矩形: 圆角 35"/>
+          <p:cNvSpPr/>
+          <p:nvPr/>
+        </p:nvSpPr>
+        <p:spPr>
+          <a:xfrm>
+            <a:off x="4714503" y="261257"/>
+            <a:ext cx="1282535" cy="527556"/>
+          </a:xfrm>
+          <a:prstGeom prst="roundRect">
+            <a:avLst/>
+          </a:prstGeom>
+        </p:spPr>
+        <p:style>
+          <a:lnRef idx="2">
+            <a:schemeClr val="accent1">
+              <a:shade val="50000"/>
+            </a:schemeClr>
+          </a:lnRef>
+          <a:fillRef idx="1">
+            <a:schemeClr val="accent1"/>
+          </a:fillRef>
+          <a:effectRef idx="0">
+            <a:schemeClr val="accent1"/>
+          </a:effectRef>
+          <a:fontRef idx="minor">
+            <a:schemeClr val="lt1"/>
+          </a:fontRef>
+        </p:style>
+        <p:txBody>
+          <a:bodyPr rtlCol="0" anchor="ctr"/>
+          <a:lstStyle/>
+          <a:p>
+            <a:pPr algn="ctr"/>
+            <a:r>
+              <a:rPr lang="zh-CN" altLang="en-US" dirty="0"/>
+              <a:t>事件驱动</a:t>
+            </a:r>
           </a:p>
         </p:txBody>
       </p:sp>
     </p:spTree>
     <p:extLst>
       <p:ext uri="{BB962C8B-B14F-4D97-AF65-F5344CB8AC3E}">
-        <p14:creationId xmlns:p14="http://schemas.microsoft.com/office/powerpoint/2010/main" val="366630020"/>
+        <p14:creationId xmlns:p14="http://schemas.microsoft.com/office/powerpoint/2010/main" val="1712394769"/>
       </p:ext>
     </p:extLst>
   </p:cSld>
@@ -3676,7 +4579,7 @@
           <a:p>
             <a:r>
               <a:rPr lang="en-US" altLang="zh-CN" dirty="0"/>
-              <a:t>Master Node</a:t>
+              <a:t>Computing Node</a:t>
             </a:r>
             <a:endParaRPr lang="zh-CN" altLang="en-US" dirty="0"/>
           </a:p>
@@ -3684,27 +4587,1402 @@
       </p:sp>
       <p:sp>
         <p:nvSpPr>
-          <p:cNvPr id="3" name="内容占位符 2"/>
-          <p:cNvSpPr>
-            <a:spLocks noGrp="1"/>
-          </p:cNvSpPr>
-          <p:nvPr>
-            <p:ph idx="1"/>
-          </p:nvPr>
-        </p:nvSpPr>
-        <p:spPr/>
-        <p:txBody>
-          <a:bodyPr/>
-          <a:lstStyle/>
-          <a:p>
-            <a:endParaRPr lang="zh-CN" altLang="en-US" dirty="0"/>
+          <p:cNvPr id="4" name="矩形 3"/>
+          <p:cNvSpPr/>
+          <p:nvPr/>
+        </p:nvSpPr>
+        <p:spPr>
+          <a:xfrm>
+            <a:off x="409699" y="2909455"/>
+            <a:ext cx="1555668" cy="665018"/>
+          </a:xfrm>
+          <a:prstGeom prst="rect">
+            <a:avLst/>
+          </a:prstGeom>
+        </p:spPr>
+        <p:style>
+          <a:lnRef idx="2">
+            <a:schemeClr val="accent1">
+              <a:shade val="50000"/>
+            </a:schemeClr>
+          </a:lnRef>
+          <a:fillRef idx="1">
+            <a:schemeClr val="accent1"/>
+          </a:fillRef>
+          <a:effectRef idx="0">
+            <a:schemeClr val="accent1"/>
+          </a:effectRef>
+          <a:fontRef idx="minor">
+            <a:schemeClr val="lt1"/>
+          </a:fontRef>
+        </p:style>
+        <p:txBody>
+          <a:bodyPr rtlCol="0" anchor="ctr"/>
+          <a:lstStyle/>
+          <a:p>
+            <a:pPr algn="ctr"/>
+            <a:r>
+              <a:rPr lang="zh-CN" altLang="en-US" dirty="0"/>
+              <a:t>登陆</a:t>
+            </a:r>
+          </a:p>
+        </p:txBody>
+      </p:sp>
+      <p:sp>
+        <p:nvSpPr>
+          <p:cNvPr id="5" name="矩形 4"/>
+          <p:cNvSpPr/>
+          <p:nvPr/>
+        </p:nvSpPr>
+        <p:spPr>
+          <a:xfrm>
+            <a:off x="2475015" y="4987637"/>
+            <a:ext cx="1555668" cy="665018"/>
+          </a:xfrm>
+          <a:prstGeom prst="rect">
+            <a:avLst/>
+          </a:prstGeom>
+        </p:spPr>
+        <p:style>
+          <a:lnRef idx="2">
+            <a:schemeClr val="accent1">
+              <a:shade val="50000"/>
+            </a:schemeClr>
+          </a:lnRef>
+          <a:fillRef idx="1">
+            <a:schemeClr val="accent1"/>
+          </a:fillRef>
+          <a:effectRef idx="0">
+            <a:schemeClr val="accent1"/>
+          </a:effectRef>
+          <a:fontRef idx="minor">
+            <a:schemeClr val="lt1"/>
+          </a:fontRef>
+        </p:style>
+        <p:txBody>
+          <a:bodyPr rtlCol="0" anchor="ctr"/>
+          <a:lstStyle/>
+          <a:p>
+            <a:pPr algn="ctr"/>
+            <a:r>
+              <a:rPr lang="zh-CN" altLang="en-US" dirty="0"/>
+              <a:t>心跳</a:t>
+            </a:r>
+          </a:p>
+        </p:txBody>
+      </p:sp>
+      <p:sp>
+        <p:nvSpPr>
+          <p:cNvPr id="6" name="矩形 5"/>
+          <p:cNvSpPr/>
+          <p:nvPr/>
+        </p:nvSpPr>
+        <p:spPr>
+          <a:xfrm>
+            <a:off x="4540332" y="2909455"/>
+            <a:ext cx="1555668" cy="665018"/>
+          </a:xfrm>
+          <a:prstGeom prst="rect">
+            <a:avLst/>
+          </a:prstGeom>
+        </p:spPr>
+        <p:style>
+          <a:lnRef idx="2">
+            <a:schemeClr val="accent1">
+              <a:shade val="50000"/>
+            </a:schemeClr>
+          </a:lnRef>
+          <a:fillRef idx="1">
+            <a:schemeClr val="accent1"/>
+          </a:fillRef>
+          <a:effectRef idx="0">
+            <a:schemeClr val="accent1"/>
+          </a:effectRef>
+          <a:fontRef idx="minor">
+            <a:schemeClr val="lt1"/>
+          </a:fontRef>
+        </p:style>
+        <p:txBody>
+          <a:bodyPr rtlCol="0" anchor="ctr"/>
+          <a:lstStyle/>
+          <a:p>
+            <a:pPr algn="ctr"/>
+            <a:r>
+              <a:rPr lang="zh-CN" altLang="en-US" dirty="0"/>
+              <a:t>请求任务</a:t>
+            </a:r>
+          </a:p>
+        </p:txBody>
+      </p:sp>
+      <p:sp>
+        <p:nvSpPr>
+          <p:cNvPr id="7" name="矩形 6"/>
+          <p:cNvSpPr/>
+          <p:nvPr/>
+        </p:nvSpPr>
+        <p:spPr>
+          <a:xfrm>
+            <a:off x="6504708" y="2909455"/>
+            <a:ext cx="1555668" cy="665018"/>
+          </a:xfrm>
+          <a:prstGeom prst="rect">
+            <a:avLst/>
+          </a:prstGeom>
+        </p:spPr>
+        <p:style>
+          <a:lnRef idx="2">
+            <a:schemeClr val="accent1">
+              <a:shade val="50000"/>
+            </a:schemeClr>
+          </a:lnRef>
+          <a:fillRef idx="1">
+            <a:schemeClr val="accent1"/>
+          </a:fillRef>
+          <a:effectRef idx="0">
+            <a:schemeClr val="accent1"/>
+          </a:effectRef>
+          <a:fontRef idx="minor">
+            <a:schemeClr val="lt1"/>
+          </a:fontRef>
+        </p:style>
+        <p:txBody>
+          <a:bodyPr rtlCol="0" anchor="ctr"/>
+          <a:lstStyle/>
+          <a:p>
+            <a:pPr algn="ctr"/>
+            <a:r>
+              <a:rPr lang="zh-CN" altLang="en-US" dirty="0"/>
+              <a:t>计算</a:t>
+            </a:r>
+          </a:p>
+        </p:txBody>
+      </p:sp>
+      <p:sp>
+        <p:nvSpPr>
+          <p:cNvPr id="8" name="矩形 7"/>
+          <p:cNvSpPr/>
+          <p:nvPr/>
+        </p:nvSpPr>
+        <p:spPr>
+          <a:xfrm>
+            <a:off x="8469084" y="2909455"/>
+            <a:ext cx="1555668" cy="665018"/>
+          </a:xfrm>
+          <a:prstGeom prst="rect">
+            <a:avLst/>
+          </a:prstGeom>
+        </p:spPr>
+        <p:style>
+          <a:lnRef idx="2">
+            <a:schemeClr val="accent1">
+              <a:shade val="50000"/>
+            </a:schemeClr>
+          </a:lnRef>
+          <a:fillRef idx="1">
+            <a:schemeClr val="accent1"/>
+          </a:fillRef>
+          <a:effectRef idx="0">
+            <a:schemeClr val="accent1"/>
+          </a:effectRef>
+          <a:fontRef idx="minor">
+            <a:schemeClr val="lt1"/>
+          </a:fontRef>
+        </p:style>
+        <p:txBody>
+          <a:bodyPr rtlCol="0" anchor="ctr"/>
+          <a:lstStyle/>
+          <a:p>
+            <a:pPr algn="ctr"/>
+            <a:r>
+              <a:rPr lang="zh-CN" altLang="en-US" dirty="0"/>
+              <a:t>传回结果</a:t>
+            </a:r>
+          </a:p>
+        </p:txBody>
+      </p:sp>
+      <p:sp>
+        <p:nvSpPr>
+          <p:cNvPr id="9" name="菱形 8"/>
+          <p:cNvSpPr/>
+          <p:nvPr/>
+        </p:nvSpPr>
+        <p:spPr>
+          <a:xfrm>
+            <a:off x="2334491" y="2755076"/>
+            <a:ext cx="1836717" cy="973776"/>
+          </a:xfrm>
+          <a:prstGeom prst="diamond">
+            <a:avLst/>
+          </a:prstGeom>
+        </p:spPr>
+        <p:style>
+          <a:lnRef idx="2">
+            <a:schemeClr val="accent1">
+              <a:shade val="50000"/>
+            </a:schemeClr>
+          </a:lnRef>
+          <a:fillRef idx="1">
+            <a:schemeClr val="accent1"/>
+          </a:fillRef>
+          <a:effectRef idx="0">
+            <a:schemeClr val="accent1"/>
+          </a:effectRef>
+          <a:fontRef idx="minor">
+            <a:schemeClr val="lt1"/>
+          </a:fontRef>
+        </p:style>
+        <p:txBody>
+          <a:bodyPr rtlCol="0" anchor="ctr"/>
+          <a:lstStyle/>
+          <a:p>
+            <a:pPr algn="ctr"/>
+            <a:r>
+              <a:rPr lang="zh-CN" altLang="en-US" dirty="0"/>
+              <a:t>是否有空核心</a:t>
+            </a:r>
+          </a:p>
+        </p:txBody>
+      </p:sp>
+      <p:cxnSp>
+        <p:nvCxnSpPr>
+          <p:cNvPr id="11" name="直接箭头连接符 10"/>
+          <p:cNvCxnSpPr>
+            <a:stCxn id="4" idx="3"/>
+            <a:endCxn id="9" idx="1"/>
+          </p:cNvCxnSpPr>
+          <p:nvPr/>
+        </p:nvCxnSpPr>
+        <p:spPr>
+          <a:xfrm>
+            <a:off x="1965367" y="3241964"/>
+            <a:ext cx="369124" cy="0"/>
+          </a:xfrm>
+          <a:prstGeom prst="straightConnector1">
+            <a:avLst/>
+          </a:prstGeom>
+          <a:ln>
+            <a:tailEnd type="triangle"/>
+          </a:ln>
+        </p:spPr>
+        <p:style>
+          <a:lnRef idx="1">
+            <a:schemeClr val="accent1"/>
+          </a:lnRef>
+          <a:fillRef idx="0">
+            <a:schemeClr val="accent1"/>
+          </a:fillRef>
+          <a:effectRef idx="0">
+            <a:schemeClr val="accent1"/>
+          </a:effectRef>
+          <a:fontRef idx="minor">
+            <a:schemeClr val="tx1"/>
+          </a:fontRef>
+        </p:style>
+      </p:cxnSp>
+      <p:cxnSp>
+        <p:nvCxnSpPr>
+          <p:cNvPr id="13" name="直接箭头连接符 12"/>
+          <p:cNvCxnSpPr>
+            <a:stCxn id="9" idx="3"/>
+            <a:endCxn id="6" idx="1"/>
+          </p:cNvCxnSpPr>
+          <p:nvPr/>
+        </p:nvCxnSpPr>
+        <p:spPr>
+          <a:xfrm>
+            <a:off x="4171208" y="3241964"/>
+            <a:ext cx="369124" cy="0"/>
+          </a:xfrm>
+          <a:prstGeom prst="straightConnector1">
+            <a:avLst/>
+          </a:prstGeom>
+          <a:ln>
+            <a:tailEnd type="triangle"/>
+          </a:ln>
+        </p:spPr>
+        <p:style>
+          <a:lnRef idx="1">
+            <a:schemeClr val="accent1"/>
+          </a:lnRef>
+          <a:fillRef idx="0">
+            <a:schemeClr val="accent1"/>
+          </a:fillRef>
+          <a:effectRef idx="0">
+            <a:schemeClr val="accent1"/>
+          </a:effectRef>
+          <a:fontRef idx="minor">
+            <a:schemeClr val="tx1"/>
+          </a:fontRef>
+        </p:style>
+      </p:cxnSp>
+      <p:cxnSp>
+        <p:nvCxnSpPr>
+          <p:cNvPr id="15" name="直接箭头连接符 14"/>
+          <p:cNvCxnSpPr>
+            <a:stCxn id="6" idx="3"/>
+            <a:endCxn id="7" idx="1"/>
+          </p:cNvCxnSpPr>
+          <p:nvPr/>
+        </p:nvCxnSpPr>
+        <p:spPr>
+          <a:xfrm>
+            <a:off x="6096000" y="3241964"/>
+            <a:ext cx="408708" cy="0"/>
+          </a:xfrm>
+          <a:prstGeom prst="straightConnector1">
+            <a:avLst/>
+          </a:prstGeom>
+          <a:ln>
+            <a:tailEnd type="triangle"/>
+          </a:ln>
+        </p:spPr>
+        <p:style>
+          <a:lnRef idx="1">
+            <a:schemeClr val="accent1"/>
+          </a:lnRef>
+          <a:fillRef idx="0">
+            <a:schemeClr val="accent1"/>
+          </a:fillRef>
+          <a:effectRef idx="0">
+            <a:schemeClr val="accent1"/>
+          </a:effectRef>
+          <a:fontRef idx="minor">
+            <a:schemeClr val="tx1"/>
+          </a:fontRef>
+        </p:style>
+      </p:cxnSp>
+      <p:cxnSp>
+        <p:nvCxnSpPr>
+          <p:cNvPr id="17" name="直接箭头连接符 16"/>
+          <p:cNvCxnSpPr>
+            <a:stCxn id="7" idx="3"/>
+            <a:endCxn id="8" idx="1"/>
+          </p:cNvCxnSpPr>
+          <p:nvPr/>
+        </p:nvCxnSpPr>
+        <p:spPr>
+          <a:xfrm>
+            <a:off x="8060376" y="3241964"/>
+            <a:ext cx="408708" cy="0"/>
+          </a:xfrm>
+          <a:prstGeom prst="straightConnector1">
+            <a:avLst/>
+          </a:prstGeom>
+          <a:ln>
+            <a:tailEnd type="triangle"/>
+          </a:ln>
+        </p:spPr>
+        <p:style>
+          <a:lnRef idx="1">
+            <a:schemeClr val="accent1"/>
+          </a:lnRef>
+          <a:fillRef idx="0">
+            <a:schemeClr val="accent1"/>
+          </a:fillRef>
+          <a:effectRef idx="0">
+            <a:schemeClr val="accent1"/>
+          </a:effectRef>
+          <a:fontRef idx="minor">
+            <a:schemeClr val="tx1"/>
+          </a:fontRef>
+        </p:style>
+      </p:cxnSp>
+      <p:cxnSp>
+        <p:nvCxnSpPr>
+          <p:cNvPr id="19" name="连接符: 肘形 18"/>
+          <p:cNvCxnSpPr>
+            <a:stCxn id="8" idx="0"/>
+            <a:endCxn id="9" idx="0"/>
+          </p:cNvCxnSpPr>
+          <p:nvPr/>
+        </p:nvCxnSpPr>
+        <p:spPr>
+          <a:xfrm rot="16200000" flipV="1">
+            <a:off x="6172695" y="-164768"/>
+            <a:ext cx="154379" cy="5994068"/>
+          </a:xfrm>
+          <a:prstGeom prst="bentConnector3">
+            <a:avLst>
+              <a:gd name="adj1" fmla="val 248077"/>
+            </a:avLst>
+          </a:prstGeom>
+          <a:ln>
+            <a:tailEnd type="triangle"/>
+          </a:ln>
+        </p:spPr>
+        <p:style>
+          <a:lnRef idx="1">
+            <a:schemeClr val="accent1"/>
+          </a:lnRef>
+          <a:fillRef idx="0">
+            <a:schemeClr val="accent1"/>
+          </a:fillRef>
+          <a:effectRef idx="0">
+            <a:schemeClr val="accent1"/>
+          </a:effectRef>
+          <a:fontRef idx="minor">
+            <a:schemeClr val="tx1"/>
+          </a:fontRef>
+        </p:style>
+      </p:cxnSp>
+      <p:cxnSp>
+        <p:nvCxnSpPr>
+          <p:cNvPr id="21" name="直接箭头连接符 20"/>
+          <p:cNvCxnSpPr>
+            <a:stCxn id="4" idx="2"/>
+            <a:endCxn id="5" idx="0"/>
+          </p:cNvCxnSpPr>
+          <p:nvPr/>
+        </p:nvCxnSpPr>
+        <p:spPr>
+          <a:xfrm>
+            <a:off x="1187533" y="3574473"/>
+            <a:ext cx="2065316" cy="1413164"/>
+          </a:xfrm>
+          <a:prstGeom prst="straightConnector1">
+            <a:avLst/>
+          </a:prstGeom>
+          <a:ln>
+            <a:tailEnd type="triangle"/>
+          </a:ln>
+        </p:spPr>
+        <p:style>
+          <a:lnRef idx="1">
+            <a:schemeClr val="accent1"/>
+          </a:lnRef>
+          <a:fillRef idx="0">
+            <a:schemeClr val="accent1"/>
+          </a:fillRef>
+          <a:effectRef idx="0">
+            <a:schemeClr val="accent1"/>
+          </a:effectRef>
+          <a:fontRef idx="minor">
+            <a:schemeClr val="tx1"/>
+          </a:fontRef>
+        </p:style>
+      </p:cxnSp>
+      <p:sp>
+        <p:nvSpPr>
+          <p:cNvPr id="22" name="矩形: 圆角 21"/>
+          <p:cNvSpPr/>
+          <p:nvPr/>
+        </p:nvSpPr>
+        <p:spPr>
+          <a:xfrm>
+            <a:off x="6300354" y="899355"/>
+            <a:ext cx="1282535" cy="527556"/>
+          </a:xfrm>
+          <a:prstGeom prst="roundRect">
+            <a:avLst/>
+          </a:prstGeom>
+        </p:spPr>
+        <p:style>
+          <a:lnRef idx="2">
+            <a:schemeClr val="accent1">
+              <a:shade val="50000"/>
+            </a:schemeClr>
+          </a:lnRef>
+          <a:fillRef idx="1">
+            <a:schemeClr val="accent1"/>
+          </a:fillRef>
+          <a:effectRef idx="0">
+            <a:schemeClr val="accent1"/>
+          </a:effectRef>
+          <a:fontRef idx="minor">
+            <a:schemeClr val="lt1"/>
+          </a:fontRef>
+        </p:style>
+        <p:txBody>
+          <a:bodyPr rtlCol="0" anchor="ctr"/>
+          <a:lstStyle/>
+          <a:p>
+            <a:pPr algn="ctr"/>
+            <a:r>
+              <a:rPr lang="zh-CN" altLang="en-US" dirty="0"/>
+              <a:t>状态机</a:t>
+            </a:r>
           </a:p>
         </p:txBody>
       </p:sp>
     </p:spTree>
     <p:extLst>
       <p:ext uri="{BB962C8B-B14F-4D97-AF65-F5344CB8AC3E}">
-        <p14:creationId xmlns:p14="http://schemas.microsoft.com/office/powerpoint/2010/main" val="1712394769"/>
+        <p14:creationId xmlns:p14="http://schemas.microsoft.com/office/powerpoint/2010/main" val="4204037945"/>
+      </p:ext>
+    </p:extLst>
+  </p:cSld>
+  <p:clrMapOvr>
+    <a:masterClrMapping/>
+  </p:clrMapOvr>
+</p:sld>
+</file>
+
+<file path=ppt/slides/slide7.xml><?xml version="1.0" encoding="utf-8"?>
+<p:sld xmlns:a="http://schemas.openxmlformats.org/drawingml/2006/main" xmlns:r="http://schemas.openxmlformats.org/officeDocument/2006/relationships" xmlns:p="http://schemas.openxmlformats.org/presentationml/2006/main">
+  <p:cSld>
+    <p:spTree>
+      <p:nvGrpSpPr>
+        <p:cNvPr id="1" name=""/>
+        <p:cNvGrpSpPr/>
+        <p:nvPr/>
+      </p:nvGrpSpPr>
+      <p:grpSpPr>
+        <a:xfrm>
+          <a:off x="0" y="0"/>
+          <a:ext cx="0" cy="0"/>
+          <a:chOff x="0" y="0"/>
+          <a:chExt cx="0" cy="0"/>
+        </a:xfrm>
+      </p:grpSpPr>
+      <p:sp>
+        <p:nvSpPr>
+          <p:cNvPr id="2" name="标题 1"/>
+          <p:cNvSpPr>
+            <a:spLocks noGrp="1"/>
+          </p:cNvSpPr>
+          <p:nvPr>
+            <p:ph type="title"/>
+          </p:nvPr>
+        </p:nvSpPr>
+        <p:spPr/>
+        <p:txBody>
+          <a:bodyPr/>
+          <a:lstStyle/>
+          <a:p>
+            <a:r>
+              <a:rPr lang="en-US" altLang="zh-CN" dirty="0"/>
+              <a:t>Network </a:t>
+            </a:r>
+            <a:r>
+              <a:rPr lang="en-US" altLang="zh-CN" dirty="0"/>
+              <a:t>Protocol(simplified)</a:t>
+            </a:r>
+            <a:endParaRPr lang="zh-CN" altLang="en-US" dirty="0"/>
+          </a:p>
+        </p:txBody>
+      </p:sp>
+      <p:cxnSp>
+        <p:nvCxnSpPr>
+          <p:cNvPr id="5" name="直接连接符 4"/>
+          <p:cNvCxnSpPr>
+            <a:stCxn id="2" idx="2"/>
+          </p:cNvCxnSpPr>
+          <p:nvPr/>
+        </p:nvCxnSpPr>
+        <p:spPr>
+          <a:xfrm flipH="1">
+            <a:off x="6080166" y="1690688"/>
+            <a:ext cx="15834" cy="4864491"/>
+          </a:xfrm>
+          <a:prstGeom prst="line">
+            <a:avLst/>
+          </a:prstGeom>
+        </p:spPr>
+        <p:style>
+          <a:lnRef idx="1">
+            <a:schemeClr val="accent1"/>
+          </a:lnRef>
+          <a:fillRef idx="0">
+            <a:schemeClr val="accent1"/>
+          </a:fillRef>
+          <a:effectRef idx="0">
+            <a:schemeClr val="accent1"/>
+          </a:effectRef>
+          <a:fontRef idx="minor">
+            <a:schemeClr val="tx1"/>
+          </a:fontRef>
+        </p:style>
+      </p:cxnSp>
+      <p:sp>
+        <p:nvSpPr>
+          <p:cNvPr id="6" name="矩形 5"/>
+          <p:cNvSpPr/>
+          <p:nvPr/>
+        </p:nvSpPr>
+        <p:spPr>
+          <a:xfrm>
+            <a:off x="380010" y="1959429"/>
+            <a:ext cx="1496291" cy="546265"/>
+          </a:xfrm>
+          <a:prstGeom prst="rect">
+            <a:avLst/>
+          </a:prstGeom>
+        </p:spPr>
+        <p:style>
+          <a:lnRef idx="2">
+            <a:schemeClr val="accent1">
+              <a:shade val="50000"/>
+            </a:schemeClr>
+          </a:lnRef>
+          <a:fillRef idx="1">
+            <a:schemeClr val="accent1"/>
+          </a:fillRef>
+          <a:effectRef idx="0">
+            <a:schemeClr val="accent1"/>
+          </a:effectRef>
+          <a:fontRef idx="minor">
+            <a:schemeClr val="lt1"/>
+          </a:fontRef>
+        </p:style>
+        <p:txBody>
+          <a:bodyPr rtlCol="0" anchor="ctr"/>
+          <a:lstStyle/>
+          <a:p>
+            <a:pPr algn="ctr"/>
+            <a:r>
+              <a:rPr lang="en-US" altLang="zh-CN" dirty="0"/>
+              <a:t>Computing node </a:t>
+            </a:r>
+            <a:r>
+              <a:rPr lang="zh-CN" altLang="en-US" dirty="0"/>
+              <a:t>登陆</a:t>
+            </a:r>
+          </a:p>
+        </p:txBody>
+      </p:sp>
+      <p:sp>
+        <p:nvSpPr>
+          <p:cNvPr id="7" name="矩形 6"/>
+          <p:cNvSpPr/>
+          <p:nvPr/>
+        </p:nvSpPr>
+        <p:spPr>
+          <a:xfrm>
+            <a:off x="380010" y="2897579"/>
+            <a:ext cx="1496291" cy="546265"/>
+          </a:xfrm>
+          <a:prstGeom prst="rect">
+            <a:avLst/>
+          </a:prstGeom>
+        </p:spPr>
+        <p:style>
+          <a:lnRef idx="2">
+            <a:schemeClr val="accent1">
+              <a:shade val="50000"/>
+            </a:schemeClr>
+          </a:lnRef>
+          <a:fillRef idx="1">
+            <a:schemeClr val="accent1"/>
+          </a:fillRef>
+          <a:effectRef idx="0">
+            <a:schemeClr val="accent1"/>
+          </a:effectRef>
+          <a:fontRef idx="minor">
+            <a:schemeClr val="lt1"/>
+          </a:fontRef>
+        </p:style>
+        <p:txBody>
+          <a:bodyPr rtlCol="0" anchor="ctr"/>
+          <a:lstStyle/>
+          <a:p>
+            <a:pPr algn="ctr"/>
+            <a:r>
+              <a:rPr lang="en-US" altLang="zh-CN" dirty="0"/>
+              <a:t>Computing node </a:t>
+            </a:r>
+            <a:r>
+              <a:rPr lang="zh-CN" altLang="en-US" dirty="0"/>
+              <a:t>心跳</a:t>
+            </a:r>
+          </a:p>
+        </p:txBody>
+      </p:sp>
+      <p:sp>
+        <p:nvSpPr>
+          <p:cNvPr id="8" name="矩形 7"/>
+          <p:cNvSpPr/>
+          <p:nvPr/>
+        </p:nvSpPr>
+        <p:spPr>
+          <a:xfrm>
+            <a:off x="243442" y="3728852"/>
+            <a:ext cx="1769425" cy="546265"/>
+          </a:xfrm>
+          <a:prstGeom prst="rect">
+            <a:avLst/>
+          </a:prstGeom>
+        </p:spPr>
+        <p:style>
+          <a:lnRef idx="2">
+            <a:schemeClr val="accent1">
+              <a:shade val="50000"/>
+            </a:schemeClr>
+          </a:lnRef>
+          <a:fillRef idx="1">
+            <a:schemeClr val="accent1"/>
+          </a:fillRef>
+          <a:effectRef idx="0">
+            <a:schemeClr val="accent1"/>
+          </a:effectRef>
+          <a:fontRef idx="minor">
+            <a:schemeClr val="lt1"/>
+          </a:fontRef>
+        </p:style>
+        <p:txBody>
+          <a:bodyPr rtlCol="0" anchor="ctr"/>
+          <a:lstStyle/>
+          <a:p>
+            <a:pPr algn="ctr"/>
+            <a:r>
+              <a:rPr lang="en-US" altLang="zh-CN" dirty="0"/>
+              <a:t>Computing node </a:t>
+            </a:r>
+            <a:r>
+              <a:rPr lang="zh-CN" altLang="en-US" dirty="0"/>
+              <a:t>请求任务</a:t>
+            </a:r>
+          </a:p>
+        </p:txBody>
+      </p:sp>
+      <p:sp>
+        <p:nvSpPr>
+          <p:cNvPr id="9" name="矩形 8"/>
+          <p:cNvSpPr/>
+          <p:nvPr/>
+        </p:nvSpPr>
+        <p:spPr>
+          <a:xfrm>
+            <a:off x="243442" y="4560125"/>
+            <a:ext cx="2048496" cy="641267"/>
+          </a:xfrm>
+          <a:prstGeom prst="rect">
+            <a:avLst/>
+          </a:prstGeom>
+        </p:spPr>
+        <p:style>
+          <a:lnRef idx="2">
+            <a:schemeClr val="accent1">
+              <a:shade val="50000"/>
+            </a:schemeClr>
+          </a:lnRef>
+          <a:fillRef idx="1">
+            <a:schemeClr val="accent1"/>
+          </a:fillRef>
+          <a:effectRef idx="0">
+            <a:schemeClr val="accent1"/>
+          </a:effectRef>
+          <a:fontRef idx="minor">
+            <a:schemeClr val="lt1"/>
+          </a:fontRef>
+        </p:style>
+        <p:txBody>
+          <a:bodyPr rtlCol="0" anchor="ctr"/>
+          <a:lstStyle/>
+          <a:p>
+            <a:pPr algn="ctr"/>
+            <a:r>
+              <a:rPr lang="en-US" altLang="zh-CN" dirty="0"/>
+              <a:t>Computing node</a:t>
+            </a:r>
+            <a:r>
+              <a:rPr lang="zh-CN" altLang="en-US" dirty="0"/>
+              <a:t>基本数据发送</a:t>
+            </a:r>
+          </a:p>
+        </p:txBody>
+      </p:sp>
+      <p:sp>
+        <p:nvSpPr>
+          <p:cNvPr id="10" name="矩形 9"/>
+          <p:cNvSpPr/>
+          <p:nvPr/>
+        </p:nvSpPr>
+        <p:spPr>
+          <a:xfrm>
+            <a:off x="249379" y="5391398"/>
+            <a:ext cx="1769425" cy="546265"/>
+          </a:xfrm>
+          <a:prstGeom prst="rect">
+            <a:avLst/>
+          </a:prstGeom>
+        </p:spPr>
+        <p:style>
+          <a:lnRef idx="2">
+            <a:schemeClr val="accent1">
+              <a:shade val="50000"/>
+            </a:schemeClr>
+          </a:lnRef>
+          <a:fillRef idx="1">
+            <a:schemeClr val="accent1"/>
+          </a:fillRef>
+          <a:effectRef idx="0">
+            <a:schemeClr val="accent1"/>
+          </a:effectRef>
+          <a:fontRef idx="minor">
+            <a:schemeClr val="lt1"/>
+          </a:fontRef>
+        </p:style>
+        <p:txBody>
+          <a:bodyPr rtlCol="0" anchor="ctr"/>
+          <a:lstStyle/>
+          <a:p>
+            <a:pPr algn="ctr"/>
+            <a:r>
+              <a:rPr lang="en-US" altLang="zh-CN" dirty="0"/>
+              <a:t>Computing node </a:t>
+            </a:r>
+            <a:r>
+              <a:rPr lang="zh-CN" altLang="en-US" dirty="0"/>
+              <a:t>请求测速</a:t>
+            </a:r>
+          </a:p>
+        </p:txBody>
+      </p:sp>
+      <p:sp>
+        <p:nvSpPr>
+          <p:cNvPr id="11" name="矩形 10"/>
+          <p:cNvSpPr/>
+          <p:nvPr/>
+        </p:nvSpPr>
+        <p:spPr>
+          <a:xfrm>
+            <a:off x="2909451" y="1890372"/>
+            <a:ext cx="1769425" cy="546265"/>
+          </a:xfrm>
+          <a:prstGeom prst="rect">
+            <a:avLst/>
+          </a:prstGeom>
+        </p:spPr>
+        <p:style>
+          <a:lnRef idx="2">
+            <a:schemeClr val="accent1">
+              <a:shade val="50000"/>
+            </a:schemeClr>
+          </a:lnRef>
+          <a:fillRef idx="1">
+            <a:schemeClr val="accent1"/>
+          </a:fillRef>
+          <a:effectRef idx="0">
+            <a:schemeClr val="accent1"/>
+          </a:effectRef>
+          <a:fontRef idx="minor">
+            <a:schemeClr val="lt1"/>
+          </a:fontRef>
+        </p:style>
+        <p:txBody>
+          <a:bodyPr rtlCol="0" anchor="ctr"/>
+          <a:lstStyle/>
+          <a:p>
+            <a:pPr algn="ctr"/>
+            <a:r>
+              <a:rPr lang="en-US" altLang="zh-CN" dirty="0"/>
+              <a:t>Computing node pull data</a:t>
+            </a:r>
+            <a:endParaRPr lang="zh-CN" altLang="en-US" dirty="0"/>
+          </a:p>
+        </p:txBody>
+      </p:sp>
+      <p:sp>
+        <p:nvSpPr>
+          <p:cNvPr id="12" name="矩形 11"/>
+          <p:cNvSpPr/>
+          <p:nvPr/>
+        </p:nvSpPr>
+        <p:spPr>
+          <a:xfrm>
+            <a:off x="2909450" y="2911650"/>
+            <a:ext cx="1769425" cy="546265"/>
+          </a:xfrm>
+          <a:prstGeom prst="rect">
+            <a:avLst/>
+          </a:prstGeom>
+        </p:spPr>
+        <p:style>
+          <a:lnRef idx="2">
+            <a:schemeClr val="accent1">
+              <a:shade val="50000"/>
+            </a:schemeClr>
+          </a:lnRef>
+          <a:fillRef idx="1">
+            <a:schemeClr val="accent1"/>
+          </a:fillRef>
+          <a:effectRef idx="0">
+            <a:schemeClr val="accent1"/>
+          </a:effectRef>
+          <a:fontRef idx="minor">
+            <a:schemeClr val="lt1"/>
+          </a:fontRef>
+        </p:style>
+        <p:txBody>
+          <a:bodyPr rtlCol="0" anchor="ctr"/>
+          <a:lstStyle/>
+          <a:p>
+            <a:pPr algn="ctr"/>
+            <a:r>
+              <a:rPr lang="en-US" altLang="zh-CN" dirty="0"/>
+              <a:t>Computing node push data</a:t>
+            </a:r>
+            <a:endParaRPr lang="zh-CN" altLang="en-US" dirty="0"/>
+          </a:p>
+        </p:txBody>
+      </p:sp>
+      <p:sp>
+        <p:nvSpPr>
+          <p:cNvPr id="13" name="矩形 12"/>
+          <p:cNvSpPr/>
+          <p:nvPr/>
+        </p:nvSpPr>
+        <p:spPr>
+          <a:xfrm>
+            <a:off x="7118267" y="1890372"/>
+            <a:ext cx="1769425" cy="546265"/>
+          </a:xfrm>
+          <a:prstGeom prst="rect">
+            <a:avLst/>
+          </a:prstGeom>
+        </p:spPr>
+        <p:style>
+          <a:lnRef idx="2">
+            <a:schemeClr val="accent1">
+              <a:shade val="50000"/>
+            </a:schemeClr>
+          </a:lnRef>
+          <a:fillRef idx="1">
+            <a:schemeClr val="accent1"/>
+          </a:fillRef>
+          <a:effectRef idx="0">
+            <a:schemeClr val="accent1"/>
+          </a:effectRef>
+          <a:fontRef idx="minor">
+            <a:schemeClr val="lt1"/>
+          </a:fontRef>
+        </p:style>
+        <p:txBody>
+          <a:bodyPr rtlCol="0" anchor="ctr"/>
+          <a:lstStyle/>
+          <a:p>
+            <a:pPr algn="ctr"/>
+            <a:r>
+              <a:rPr lang="en-US" altLang="zh-CN" dirty="0"/>
+              <a:t>Server create file</a:t>
+            </a:r>
+            <a:endParaRPr lang="zh-CN" altLang="en-US" dirty="0"/>
+          </a:p>
+        </p:txBody>
+      </p:sp>
+      <p:sp>
+        <p:nvSpPr>
+          <p:cNvPr id="14" name="矩形 13"/>
+          <p:cNvSpPr/>
+          <p:nvPr/>
+        </p:nvSpPr>
+        <p:spPr>
+          <a:xfrm>
+            <a:off x="7113315" y="2994777"/>
+            <a:ext cx="1769425" cy="546265"/>
+          </a:xfrm>
+          <a:prstGeom prst="rect">
+            <a:avLst/>
+          </a:prstGeom>
+        </p:spPr>
+        <p:style>
+          <a:lnRef idx="2">
+            <a:schemeClr val="accent1">
+              <a:shade val="50000"/>
+            </a:schemeClr>
+          </a:lnRef>
+          <a:fillRef idx="1">
+            <a:schemeClr val="accent1"/>
+          </a:fillRef>
+          <a:effectRef idx="0">
+            <a:schemeClr val="accent1"/>
+          </a:effectRef>
+          <a:fontRef idx="minor">
+            <a:schemeClr val="lt1"/>
+          </a:fontRef>
+        </p:style>
+        <p:txBody>
+          <a:bodyPr rtlCol="0" anchor="ctr"/>
+          <a:lstStyle/>
+          <a:p>
+            <a:pPr algn="ctr"/>
+            <a:r>
+              <a:rPr lang="en-US" altLang="zh-CN" dirty="0"/>
+              <a:t>Server delete file</a:t>
+            </a:r>
+            <a:endParaRPr lang="zh-CN" altLang="en-US" dirty="0"/>
+          </a:p>
+        </p:txBody>
+      </p:sp>
+      <p:sp>
+        <p:nvSpPr>
+          <p:cNvPr id="15" name="矩形 14"/>
+          <p:cNvSpPr/>
+          <p:nvPr/>
+        </p:nvSpPr>
+        <p:spPr>
+          <a:xfrm>
+            <a:off x="7113314" y="4099182"/>
+            <a:ext cx="1769425" cy="546265"/>
+          </a:xfrm>
+          <a:prstGeom prst="rect">
+            <a:avLst/>
+          </a:prstGeom>
+        </p:spPr>
+        <p:style>
+          <a:lnRef idx="2">
+            <a:schemeClr val="accent1">
+              <a:shade val="50000"/>
+            </a:schemeClr>
+          </a:lnRef>
+          <a:fillRef idx="1">
+            <a:schemeClr val="accent1"/>
+          </a:fillRef>
+          <a:effectRef idx="0">
+            <a:schemeClr val="accent1"/>
+          </a:effectRef>
+          <a:fontRef idx="minor">
+            <a:schemeClr val="lt1"/>
+          </a:fontRef>
+        </p:style>
+        <p:txBody>
+          <a:bodyPr rtlCol="0" anchor="ctr"/>
+          <a:lstStyle/>
+          <a:p>
+            <a:pPr algn="ctr"/>
+            <a:r>
+              <a:rPr lang="en-US" altLang="zh-CN" dirty="0"/>
+              <a:t>Server start task</a:t>
+            </a:r>
+            <a:endParaRPr lang="zh-CN" altLang="en-US" dirty="0"/>
+          </a:p>
+        </p:txBody>
+      </p:sp>
+      <p:sp>
+        <p:nvSpPr>
+          <p:cNvPr id="16" name="矩形 15"/>
+          <p:cNvSpPr/>
+          <p:nvPr/>
+        </p:nvSpPr>
+        <p:spPr>
+          <a:xfrm>
+            <a:off x="7113314" y="4928259"/>
+            <a:ext cx="1769425" cy="546265"/>
+          </a:xfrm>
+          <a:prstGeom prst="rect">
+            <a:avLst/>
+          </a:prstGeom>
+        </p:spPr>
+        <p:style>
+          <a:lnRef idx="2">
+            <a:schemeClr val="accent1">
+              <a:shade val="50000"/>
+            </a:schemeClr>
+          </a:lnRef>
+          <a:fillRef idx="1">
+            <a:schemeClr val="accent1"/>
+          </a:fillRef>
+          <a:effectRef idx="0">
+            <a:schemeClr val="accent1"/>
+          </a:effectRef>
+          <a:fontRef idx="minor">
+            <a:schemeClr val="lt1"/>
+          </a:fontRef>
+        </p:style>
+        <p:txBody>
+          <a:bodyPr rtlCol="0" anchor="ctr"/>
+          <a:lstStyle/>
+          <a:p>
+            <a:pPr algn="ctr"/>
+            <a:r>
+              <a:rPr lang="en-US" altLang="zh-CN" dirty="0"/>
+              <a:t>Server stop task</a:t>
+            </a:r>
+            <a:endParaRPr lang="zh-CN" altLang="en-US" dirty="0"/>
+          </a:p>
+        </p:txBody>
+      </p:sp>
+      <p:sp>
+        <p:nvSpPr>
+          <p:cNvPr id="17" name="矩形 16"/>
+          <p:cNvSpPr/>
+          <p:nvPr/>
+        </p:nvSpPr>
+        <p:spPr>
+          <a:xfrm>
+            <a:off x="9767449" y="4561220"/>
+            <a:ext cx="1769425" cy="546265"/>
+          </a:xfrm>
+          <a:prstGeom prst="rect">
+            <a:avLst/>
+          </a:prstGeom>
+        </p:spPr>
+        <p:style>
+          <a:lnRef idx="2">
+            <a:schemeClr val="accent1">
+              <a:shade val="50000"/>
+            </a:schemeClr>
+          </a:lnRef>
+          <a:fillRef idx="1">
+            <a:schemeClr val="accent1"/>
+          </a:fillRef>
+          <a:effectRef idx="0">
+            <a:schemeClr val="accent1"/>
+          </a:effectRef>
+          <a:fontRef idx="minor">
+            <a:schemeClr val="lt1"/>
+          </a:fontRef>
+        </p:style>
+        <p:txBody>
+          <a:bodyPr rtlCol="0" anchor="ctr"/>
+          <a:lstStyle/>
+          <a:p>
+            <a:pPr algn="ctr"/>
+            <a:r>
+              <a:rPr lang="en-US" altLang="zh-CN" dirty="0"/>
+              <a:t>Server tell progress</a:t>
+            </a:r>
+            <a:endParaRPr lang="zh-CN" altLang="en-US" dirty="0"/>
+          </a:p>
+        </p:txBody>
+      </p:sp>
+      <p:sp>
+        <p:nvSpPr>
+          <p:cNvPr id="22" name="矩形 21"/>
+          <p:cNvSpPr/>
+          <p:nvPr/>
+        </p:nvSpPr>
+        <p:spPr>
+          <a:xfrm>
+            <a:off x="9767450" y="5408111"/>
+            <a:ext cx="1769425" cy="546265"/>
+          </a:xfrm>
+          <a:prstGeom prst="rect">
+            <a:avLst/>
+          </a:prstGeom>
+        </p:spPr>
+        <p:style>
+          <a:lnRef idx="2">
+            <a:schemeClr val="accent1">
+              <a:shade val="50000"/>
+            </a:schemeClr>
+          </a:lnRef>
+          <a:fillRef idx="1">
+            <a:schemeClr val="accent1"/>
+          </a:fillRef>
+          <a:effectRef idx="0">
+            <a:schemeClr val="accent1"/>
+          </a:effectRef>
+          <a:fontRef idx="minor">
+            <a:schemeClr val="lt1"/>
+          </a:fontRef>
+        </p:style>
+        <p:txBody>
+          <a:bodyPr rtlCol="0" anchor="ctr"/>
+          <a:lstStyle/>
+          <a:p>
+            <a:pPr algn="ctr"/>
+            <a:r>
+              <a:rPr lang="en-US" altLang="zh-CN" dirty="0"/>
+              <a:t>Server set result</a:t>
+            </a:r>
+            <a:endParaRPr lang="zh-CN" altLang="en-US" dirty="0"/>
+          </a:p>
+        </p:txBody>
+      </p:sp>
+      <p:cxnSp>
+        <p:nvCxnSpPr>
+          <p:cNvPr id="24" name="直接箭头连接符 23"/>
+          <p:cNvCxnSpPr>
+            <a:stCxn id="22" idx="1"/>
+            <a:endCxn id="16" idx="3"/>
+          </p:cNvCxnSpPr>
+          <p:nvPr/>
+        </p:nvCxnSpPr>
+        <p:spPr>
+          <a:xfrm flipH="1" flipV="1">
+            <a:off x="8882739" y="5201392"/>
+            <a:ext cx="884711" cy="479852"/>
+          </a:xfrm>
+          <a:prstGeom prst="straightConnector1">
+            <a:avLst/>
+          </a:prstGeom>
+          <a:ln>
+            <a:tailEnd type="triangle"/>
+          </a:ln>
+        </p:spPr>
+        <p:style>
+          <a:lnRef idx="1">
+            <a:schemeClr val="accent1"/>
+          </a:lnRef>
+          <a:fillRef idx="0">
+            <a:schemeClr val="accent1"/>
+          </a:fillRef>
+          <a:effectRef idx="0">
+            <a:schemeClr val="accent1"/>
+          </a:effectRef>
+          <a:fontRef idx="minor">
+            <a:schemeClr val="tx1"/>
+          </a:fontRef>
+        </p:style>
+      </p:cxnSp>
+      <p:sp>
+        <p:nvSpPr>
+          <p:cNvPr id="28" name="矩形 27"/>
+          <p:cNvSpPr/>
+          <p:nvPr/>
+        </p:nvSpPr>
+        <p:spPr>
+          <a:xfrm>
+            <a:off x="9767450" y="3721817"/>
+            <a:ext cx="1769425" cy="603447"/>
+          </a:xfrm>
+          <a:prstGeom prst="rect">
+            <a:avLst/>
+          </a:prstGeom>
+        </p:spPr>
+        <p:style>
+          <a:lnRef idx="2">
+            <a:schemeClr val="accent1">
+              <a:shade val="50000"/>
+            </a:schemeClr>
+          </a:lnRef>
+          <a:fillRef idx="1">
+            <a:schemeClr val="accent1"/>
+          </a:fillRef>
+          <a:effectRef idx="0">
+            <a:schemeClr val="accent1"/>
+          </a:effectRef>
+          <a:fontRef idx="minor">
+            <a:schemeClr val="lt1"/>
+          </a:fontRef>
+        </p:style>
+        <p:txBody>
+          <a:bodyPr rtlCol="0" anchor="ctr"/>
+          <a:lstStyle/>
+          <a:p>
+            <a:pPr algn="ctr"/>
+            <a:r>
+              <a:rPr lang="en-US" altLang="zh-CN" dirty="0"/>
+              <a:t>Server set workspace</a:t>
+            </a:r>
+            <a:endParaRPr lang="zh-CN" altLang="en-US" dirty="0"/>
+          </a:p>
+        </p:txBody>
+      </p:sp>
+      <p:cxnSp>
+        <p:nvCxnSpPr>
+          <p:cNvPr id="30" name="直接箭头连接符 29"/>
+          <p:cNvCxnSpPr>
+            <a:stCxn id="28" idx="1"/>
+            <a:endCxn id="15" idx="3"/>
+          </p:cNvCxnSpPr>
+          <p:nvPr/>
+        </p:nvCxnSpPr>
+        <p:spPr>
+          <a:xfrm flipH="1">
+            <a:off x="8882739" y="4023541"/>
+            <a:ext cx="884711" cy="348774"/>
+          </a:xfrm>
+          <a:prstGeom prst="straightConnector1">
+            <a:avLst/>
+          </a:prstGeom>
+          <a:ln>
+            <a:tailEnd type="triangle"/>
+          </a:ln>
+        </p:spPr>
+        <p:style>
+          <a:lnRef idx="1">
+            <a:schemeClr val="accent1"/>
+          </a:lnRef>
+          <a:fillRef idx="0">
+            <a:schemeClr val="accent1"/>
+          </a:fillRef>
+          <a:effectRef idx="0">
+            <a:schemeClr val="accent1"/>
+          </a:effectRef>
+          <a:fontRef idx="minor">
+            <a:schemeClr val="tx1"/>
+          </a:fontRef>
+        </p:style>
+      </p:cxnSp>
+      <p:cxnSp>
+        <p:nvCxnSpPr>
+          <p:cNvPr id="36" name="直接箭头连接符 35"/>
+          <p:cNvCxnSpPr>
+            <a:stCxn id="17" idx="1"/>
+            <a:endCxn id="15" idx="3"/>
+          </p:cNvCxnSpPr>
+          <p:nvPr/>
+        </p:nvCxnSpPr>
+        <p:spPr>
+          <a:xfrm flipH="1" flipV="1">
+            <a:off x="8882739" y="4372315"/>
+            <a:ext cx="884710" cy="462038"/>
+          </a:xfrm>
+          <a:prstGeom prst="straightConnector1">
+            <a:avLst/>
+          </a:prstGeom>
+          <a:ln>
+            <a:tailEnd type="triangle"/>
+          </a:ln>
+        </p:spPr>
+        <p:style>
+          <a:lnRef idx="1">
+            <a:schemeClr val="accent1"/>
+          </a:lnRef>
+          <a:fillRef idx="0">
+            <a:schemeClr val="accent1"/>
+          </a:fillRef>
+          <a:effectRef idx="0">
+            <a:schemeClr val="accent1"/>
+          </a:effectRef>
+          <a:fontRef idx="minor">
+            <a:schemeClr val="tx1"/>
+          </a:fontRef>
+        </p:style>
+      </p:cxnSp>
+      <p:sp>
+        <p:nvSpPr>
+          <p:cNvPr id="37" name="矩形 36"/>
+          <p:cNvSpPr/>
+          <p:nvPr/>
+        </p:nvSpPr>
+        <p:spPr>
+          <a:xfrm>
+            <a:off x="2872341" y="3731497"/>
+            <a:ext cx="1769425" cy="546265"/>
+          </a:xfrm>
+          <a:prstGeom prst="rect">
+            <a:avLst/>
+          </a:prstGeom>
+        </p:spPr>
+        <p:style>
+          <a:lnRef idx="2">
+            <a:schemeClr val="accent1">
+              <a:shade val="50000"/>
+            </a:schemeClr>
+          </a:lnRef>
+          <a:fillRef idx="1">
+            <a:schemeClr val="accent1"/>
+          </a:fillRef>
+          <a:effectRef idx="0">
+            <a:schemeClr val="accent1"/>
+          </a:effectRef>
+          <a:fontRef idx="minor">
+            <a:schemeClr val="lt1"/>
+          </a:fontRef>
+        </p:style>
+        <p:txBody>
+          <a:bodyPr rtlCol="0" anchor="ctr"/>
+          <a:lstStyle/>
+          <a:p>
+            <a:pPr algn="ctr"/>
+            <a:r>
+              <a:rPr lang="en-US" altLang="zh-CN" dirty="0"/>
+              <a:t>Computing node </a:t>
+            </a:r>
+            <a:r>
+              <a:rPr lang="zh-CN" altLang="en-US" dirty="0"/>
+              <a:t>传回结果</a:t>
+            </a:r>
+          </a:p>
+        </p:txBody>
+      </p:sp>
+    </p:spTree>
+    <p:extLst>
+      <p:ext uri="{BB962C8B-B14F-4D97-AF65-F5344CB8AC3E}">
+        <p14:creationId xmlns:p14="http://schemas.microsoft.com/office/powerpoint/2010/main" val="110175531"/>
       </p:ext>
     </p:extLst>
   </p:cSld>
